--- a/2024/Lec/Юнит 22 - глубокое обучение нейронных сетей.pptx
+++ b/2024/Lec/Юнит 22 - глубокое обучение нейронных сетей.pptx
@@ -34,8 +34,6 @@
     <p:sldId id="333" r:id="rId28"/>
     <p:sldId id="334" r:id="rId29"/>
     <p:sldId id="323" r:id="rId30"/>
-    <p:sldId id="335" r:id="rId31"/>
-    <p:sldId id="336" r:id="rId32"/>
   </p:sldIdLst>
   <p:sldSz cx="12192000" cy="6858000"/>
   <p:notesSz cx="6858000" cy="9144000"/>
@@ -291,7 +289,7 @@
           <a:p>
             <a:fld id="{A76E1671-358D-4BAB-9EB2-DC8D65251B89}" type="datetimeFigureOut">
               <a:rPr lang="en-US" smtClean="0"/>
-              <a:t>10/24/23</a:t>
+              <a:t>3/20/2024</a:t>
             </a:fld>
             <a:endParaRPr lang="en-US"/>
           </a:p>
@@ -491,7 +489,7 @@
           <a:p>
             <a:fld id="{A76E1671-358D-4BAB-9EB2-DC8D65251B89}" type="datetimeFigureOut">
               <a:rPr lang="en-US" smtClean="0"/>
-              <a:t>10/24/23</a:t>
+              <a:t>3/20/2024</a:t>
             </a:fld>
             <a:endParaRPr lang="en-US"/>
           </a:p>
@@ -701,7 +699,7 @@
           <a:p>
             <a:fld id="{A76E1671-358D-4BAB-9EB2-DC8D65251B89}" type="datetimeFigureOut">
               <a:rPr lang="en-US" smtClean="0"/>
-              <a:t>10/24/23</a:t>
+              <a:t>3/20/2024</a:t>
             </a:fld>
             <a:endParaRPr lang="en-US"/>
           </a:p>
@@ -901,7 +899,7 @@
           <a:p>
             <a:fld id="{A76E1671-358D-4BAB-9EB2-DC8D65251B89}" type="datetimeFigureOut">
               <a:rPr lang="en-US" smtClean="0"/>
-              <a:t>10/24/23</a:t>
+              <a:t>3/20/2024</a:t>
             </a:fld>
             <a:endParaRPr lang="en-US"/>
           </a:p>
@@ -1177,7 +1175,7 @@
           <a:p>
             <a:fld id="{A76E1671-358D-4BAB-9EB2-DC8D65251B89}" type="datetimeFigureOut">
               <a:rPr lang="en-US" smtClean="0"/>
-              <a:t>10/24/23</a:t>
+              <a:t>3/20/2024</a:t>
             </a:fld>
             <a:endParaRPr lang="en-US"/>
           </a:p>
@@ -1445,7 +1443,7 @@
           <a:p>
             <a:fld id="{A76E1671-358D-4BAB-9EB2-DC8D65251B89}" type="datetimeFigureOut">
               <a:rPr lang="en-US" smtClean="0"/>
-              <a:t>10/24/23</a:t>
+              <a:t>3/20/2024</a:t>
             </a:fld>
             <a:endParaRPr lang="en-US"/>
           </a:p>
@@ -1860,7 +1858,7 @@
           <a:p>
             <a:fld id="{A76E1671-358D-4BAB-9EB2-DC8D65251B89}" type="datetimeFigureOut">
               <a:rPr lang="en-US" smtClean="0"/>
-              <a:t>10/24/23</a:t>
+              <a:t>3/20/2024</a:t>
             </a:fld>
             <a:endParaRPr lang="en-US"/>
           </a:p>
@@ -2002,7 +2000,7 @@
           <a:p>
             <a:fld id="{A76E1671-358D-4BAB-9EB2-DC8D65251B89}" type="datetimeFigureOut">
               <a:rPr lang="en-US" smtClean="0"/>
-              <a:t>10/24/23</a:t>
+              <a:t>3/20/2024</a:t>
             </a:fld>
             <a:endParaRPr lang="en-US"/>
           </a:p>
@@ -2115,7 +2113,7 @@
           <a:p>
             <a:fld id="{A76E1671-358D-4BAB-9EB2-DC8D65251B89}" type="datetimeFigureOut">
               <a:rPr lang="en-US" smtClean="0"/>
-              <a:t>10/24/23</a:t>
+              <a:t>3/20/2024</a:t>
             </a:fld>
             <a:endParaRPr lang="en-US"/>
           </a:p>
@@ -2428,7 +2426,7 @@
           <a:p>
             <a:fld id="{A76E1671-358D-4BAB-9EB2-DC8D65251B89}" type="datetimeFigureOut">
               <a:rPr lang="en-US" smtClean="0"/>
-              <a:t>10/24/23</a:t>
+              <a:t>3/20/2024</a:t>
             </a:fld>
             <a:endParaRPr lang="en-US"/>
           </a:p>
@@ -2717,7 +2715,7 @@
           <a:p>
             <a:fld id="{A76E1671-358D-4BAB-9EB2-DC8D65251B89}" type="datetimeFigureOut">
               <a:rPr lang="en-US" smtClean="0"/>
-              <a:t>10/24/23</a:t>
+              <a:t>3/20/2024</a:t>
             </a:fld>
             <a:endParaRPr lang="en-US"/>
           </a:p>
@@ -2960,7 +2958,7 @@
           <a:p>
             <a:fld id="{A76E1671-358D-4BAB-9EB2-DC8D65251B89}" type="datetimeFigureOut">
               <a:rPr lang="en-US" smtClean="0"/>
-              <a:t>10/24/23</a:t>
+              <a:t>3/20/2024</a:t>
             </a:fld>
             <a:endParaRPr lang="en-US"/>
           </a:p>
@@ -3441,6 +3439,13 @@
   <p:clrMapOvr>
     <a:masterClrMapping/>
   </p:clrMapOvr>
+  <p:timing>
+    <p:tnLst>
+      <p:par>
+        <p:cTn id="1" dur="indefinite" restart="never" nodeType="tmRoot"/>
+      </p:par>
+    </p:tnLst>
+  </p:timing>
 </p:sld>
 </file>
 
@@ -3711,6 +3716,13 @@
   <p:clrMapOvr>
     <a:masterClrMapping/>
   </p:clrMapOvr>
+  <p:timing>
+    <p:tnLst>
+      <p:par>
+        <p:cTn id="1" dur="indefinite" restart="never" nodeType="tmRoot"/>
+      </p:par>
+    </p:tnLst>
+  </p:timing>
 </p:sld>
 </file>
 
@@ -3928,6 +3940,13 @@
   <p:clrMapOvr>
     <a:masterClrMapping/>
   </p:clrMapOvr>
+  <p:timing>
+    <p:tnLst>
+      <p:par>
+        <p:cTn id="1" dur="indefinite" restart="never" nodeType="tmRoot"/>
+      </p:par>
+    </p:tnLst>
+  </p:timing>
 </p:sld>
 </file>
 
@@ -4133,6 +4152,13 @@
   <p:clrMapOvr>
     <a:masterClrMapping/>
   </p:clrMapOvr>
+  <p:timing>
+    <p:tnLst>
+      <p:par>
+        <p:cTn id="1" dur="indefinite" restart="never" nodeType="tmRoot"/>
+      </p:par>
+    </p:tnLst>
+  </p:timing>
 </p:sld>
 </file>
 
@@ -4556,6 +4582,13 @@
   <p:clrMapOvr>
     <a:masterClrMapping/>
   </p:clrMapOvr>
+  <p:timing>
+    <p:tnLst>
+      <p:par>
+        <p:cTn id="1" dur="indefinite" restart="never" nodeType="tmRoot"/>
+      </p:par>
+    </p:tnLst>
+  </p:timing>
 </p:sld>
 </file>
 
@@ -5303,6 +5336,13 @@
   <p:clrMapOvr>
     <a:masterClrMapping/>
   </p:clrMapOvr>
+  <p:timing>
+    <p:tnLst>
+      <p:par>
+        <p:cTn id="1" dur="indefinite" restart="never" nodeType="tmRoot"/>
+      </p:par>
+    </p:tnLst>
+  </p:timing>
 </p:sld>
 </file>
 
@@ -6221,6 +6261,13 @@
   <p:clrMapOvr>
     <a:masterClrMapping/>
   </p:clrMapOvr>
+  <p:timing>
+    <p:tnLst>
+      <p:par>
+        <p:cTn id="1" dur="indefinite" restart="never" nodeType="tmRoot"/>
+      </p:par>
+    </p:tnLst>
+  </p:timing>
 </p:sld>
 </file>
 
@@ -7025,6 +7072,13 @@
   <p:clrMapOvr>
     <a:masterClrMapping/>
   </p:clrMapOvr>
+  <p:timing>
+    <p:tnLst>
+      <p:par>
+        <p:cTn id="1" dur="indefinite" restart="never" nodeType="tmRoot"/>
+      </p:par>
+    </p:tnLst>
+  </p:timing>
 </p:sld>
 </file>
 
@@ -8027,6 +8081,13 @@
   <p:clrMapOvr>
     <a:masterClrMapping/>
   </p:clrMapOvr>
+  <p:timing>
+    <p:tnLst>
+      <p:par>
+        <p:cTn id="1" dur="indefinite" restart="never" nodeType="tmRoot"/>
+      </p:par>
+    </p:tnLst>
+  </p:timing>
 </p:sld>
 </file>
 
@@ -8220,6 +8281,13 @@
   <p:clrMapOvr>
     <a:masterClrMapping/>
   </p:clrMapOvr>
+  <p:timing>
+    <p:tnLst>
+      <p:par>
+        <p:cTn id="1" dur="indefinite" restart="never" nodeType="tmRoot"/>
+      </p:par>
+    </p:tnLst>
+  </p:timing>
 </p:sld>
 </file>
 
@@ -8561,6 +8629,13 @@
   <p:clrMapOvr>
     <a:masterClrMapping/>
   </p:clrMapOvr>
+  <p:timing>
+    <p:tnLst>
+      <p:par>
+        <p:cTn id="1" dur="indefinite" restart="never" nodeType="tmRoot"/>
+      </p:par>
+    </p:tnLst>
+  </p:timing>
 </p:sld>
 </file>
 
@@ -8854,6 +8929,13 @@
   <p:clrMapOvr>
     <a:masterClrMapping/>
   </p:clrMapOvr>
+  <p:timing>
+    <p:tnLst>
+      <p:par>
+        <p:cTn id="1" dur="indefinite" restart="never" nodeType="tmRoot"/>
+      </p:par>
+    </p:tnLst>
+  </p:timing>
 </p:sld>
 </file>
 
@@ -9644,6 +9726,13 @@
   <p:clrMapOvr>
     <a:masterClrMapping/>
   </p:clrMapOvr>
+  <p:timing>
+    <p:tnLst>
+      <p:par>
+        <p:cTn id="1" dur="indefinite" restart="never" nodeType="tmRoot"/>
+      </p:par>
+    </p:tnLst>
+  </p:timing>
 </p:sld>
 </file>
 
@@ -10460,6 +10549,13 @@
   <p:clrMapOvr>
     <a:masterClrMapping/>
   </p:clrMapOvr>
+  <p:timing>
+    <p:tnLst>
+      <p:par>
+        <p:cTn id="1" dur="indefinite" restart="never" nodeType="tmRoot"/>
+      </p:par>
+    </p:tnLst>
+  </p:timing>
 </p:sld>
 </file>
 
@@ -11329,6 +11425,13 @@
   <p:clrMapOvr>
     <a:masterClrMapping/>
   </p:clrMapOvr>
+  <p:timing>
+    <p:tnLst>
+      <p:par>
+        <p:cTn id="1" dur="indefinite" restart="never" nodeType="tmRoot"/>
+      </p:par>
+    </p:tnLst>
+  </p:timing>
 </p:sld>
 </file>
 
@@ -12209,6 +12312,13 @@
   <p:clrMapOvr>
     <a:masterClrMapping/>
   </p:clrMapOvr>
+  <p:timing>
+    <p:tnLst>
+      <p:par>
+        <p:cTn id="1" dur="indefinite" restart="never" nodeType="tmRoot"/>
+      </p:par>
+    </p:tnLst>
+  </p:timing>
 </p:sld>
 </file>
 
@@ -13182,6 +13292,13 @@
   <p:clrMapOvr>
     <a:masterClrMapping/>
   </p:clrMapOvr>
+  <p:timing>
+    <p:tnLst>
+      <p:par>
+        <p:cTn id="1" dur="indefinite" restart="never" nodeType="tmRoot"/>
+      </p:par>
+    </p:tnLst>
+  </p:timing>
 </p:sld>
 </file>
 
@@ -13358,6 +13475,13 @@
   <p:clrMapOvr>
     <a:masterClrMapping/>
   </p:clrMapOvr>
+  <p:timing>
+    <p:tnLst>
+      <p:par>
+        <p:cTn id="1" dur="indefinite" restart="never" nodeType="tmRoot"/>
+      </p:par>
+    </p:tnLst>
+  </p:timing>
 </p:sld>
 </file>
 
@@ -14229,6 +14353,13 @@
   <p:clrMapOvr>
     <a:masterClrMapping/>
   </p:clrMapOvr>
+  <p:timing>
+    <p:tnLst>
+      <p:par>
+        <p:cTn id="1" dur="indefinite" restart="never" nodeType="tmRoot"/>
+      </p:par>
+    </p:tnLst>
+  </p:timing>
 </p:sld>
 </file>
 
@@ -15353,16 +15484,7 @@
                 </a:solidFill>
                 <a:latin typeface="Georgia" panose="02040502050405020303" pitchFamily="18" charset="0"/>
               </a:rPr>
-              <a:t> </a:t>
-            </a:r>
-            <a:r>
-              <a:rPr lang="en-US" sz="1600" b="1" dirty="0">
-                <a:solidFill>
-                  <a:srgbClr val="000000"/>
-                </a:solidFill>
-                <a:latin typeface="Georgia" panose="02040502050405020303" pitchFamily="18" charset="0"/>
-              </a:rPr>
-              <a:t>loss function</a:t>
+              <a:t> loss function</a:t>
             </a:r>
             <a:endParaRPr lang="ru-RU" sz="1600" dirty="0"/>
           </a:p>
@@ -15481,6 +15603,21 @@
   <p:clrMapOvr>
     <a:masterClrMapping/>
   </p:clrMapOvr>
+  <mc:AlternateContent xmlns:mc="http://schemas.openxmlformats.org/markup-compatibility/2006">
+    <mc:Choice xmlns:p14="http://schemas.microsoft.com/office/powerpoint/2010/main" Requires="p14">
+      <p:transition spd="slow" p14:dur="2000"/>
+    </mc:Choice>
+    <mc:Fallback>
+      <p:transition spd="slow"/>
+    </mc:Fallback>
+  </mc:AlternateContent>
+  <p:timing>
+    <p:tnLst>
+      <p:par>
+        <p:cTn id="1" dur="indefinite" restart="never" nodeType="tmRoot"/>
+      </p:par>
+    </p:tnLst>
+  </p:timing>
 </p:sld>
 </file>
 
@@ -15867,6 +16004,10 @@
               </a:rPr>
               <a:t>.</a:t>
             </a:r>
+            <a:r>
+              <a:rPr lang="ru-RU" altLang="ru-RU" sz="2000" dirty="0"/>
+              <a:t/>
+            </a:r>
             <a:br>
               <a:rPr lang="ru-RU" altLang="ru-RU" sz="2000" dirty="0"/>
             </a:br>
@@ -16141,6 +16282,10 @@
                 </a:solidFill>
               </a:rPr>
               <a:t>).</a:t>
+            </a:r>
+            <a:r>
+              <a:rPr lang="ru-RU" altLang="ru-RU" sz="2000" dirty="0"/>
+              <a:t/>
             </a:r>
             <a:br>
               <a:rPr lang="ru-RU" altLang="ru-RU" sz="2000" dirty="0"/>
@@ -18532,6 +18677,13 @@
   <p:clrMapOvr>
     <a:masterClrMapping/>
   </p:clrMapOvr>
+  <p:timing>
+    <p:tnLst>
+      <p:par>
+        <p:cTn id="1" dur="indefinite" restart="never" nodeType="tmRoot"/>
+      </p:par>
+    </p:tnLst>
+  </p:timing>
 </p:sld>
 </file>
 
@@ -19681,6 +19833,13 @@
   <p:clrMapOvr>
     <a:masterClrMapping/>
   </p:clrMapOvr>
+  <p:timing>
+    <p:tnLst>
+      <p:par>
+        <p:cTn id="1" dur="indefinite" restart="never" nodeType="tmRoot"/>
+      </p:par>
+    </p:tnLst>
+  </p:timing>
 </p:sld>
 </file>
 
@@ -19927,849 +20086,13 @@
   <p:clrMapOvr>
     <a:masterClrMapping/>
   </p:clrMapOvr>
-</p:sld>
-</file>
-
-<file path=ppt/slides/slide30.xml><?xml version="1.0" encoding="utf-8"?>
-<p:sld xmlns:a="http://schemas.openxmlformats.org/drawingml/2006/main" xmlns:r="http://schemas.openxmlformats.org/officeDocument/2006/relationships" xmlns:p="http://schemas.openxmlformats.org/presentationml/2006/main">
-  <p:cSld>
-    <p:spTree>
-      <p:nvGrpSpPr>
-        <p:cNvPr id="1" name=""/>
-        <p:cNvGrpSpPr/>
-        <p:nvPr/>
-      </p:nvGrpSpPr>
-      <p:grpSpPr>
-        <a:xfrm>
-          <a:off x="0" y="0"/>
-          <a:ext cx="0" cy="0"/>
-          <a:chOff x="0" y="0"/>
-          <a:chExt cx="0" cy="0"/>
-        </a:xfrm>
-      </p:grpSpPr>
-      <p:sp>
-        <p:nvSpPr>
-          <p:cNvPr id="2" name="Заголовок 1">
-            <a:extLst>
-              <a:ext uri="{FF2B5EF4-FFF2-40B4-BE49-F238E27FC236}">
-                <a16:creationId xmlns:a16="http://schemas.microsoft.com/office/drawing/2014/main" id="{E5E18C16-493F-C0F6-1226-B953C44BB2B9}"/>
-              </a:ext>
-            </a:extLst>
-          </p:cNvPr>
-          <p:cNvSpPr>
-            <a:spLocks noGrp="1"/>
-          </p:cNvSpPr>
-          <p:nvPr>
-            <p:ph type="title"/>
-          </p:nvPr>
-        </p:nvSpPr>
-        <p:spPr>
-          <a:xfrm>
-            <a:off x="425824" y="0"/>
-            <a:ext cx="10515600" cy="1325563"/>
-          </a:xfrm>
-        </p:spPr>
-        <p:txBody>
-          <a:bodyPr>
-            <a:normAutofit/>
-          </a:bodyPr>
-          <a:lstStyle/>
-          <a:p>
-            <a:r>
-              <a:rPr lang="ru-RU" sz="4800" b="1" dirty="0"/>
-              <a:t>Вопросы Базовые 1й верно</a:t>
-            </a:r>
-          </a:p>
-        </p:txBody>
-      </p:sp>
-      <p:sp>
-        <p:nvSpPr>
-          <p:cNvPr id="3" name="Объект 2">
-            <a:extLst>
-              <a:ext uri="{FF2B5EF4-FFF2-40B4-BE49-F238E27FC236}">
-                <a16:creationId xmlns:a16="http://schemas.microsoft.com/office/drawing/2014/main" id="{BE421393-E6D9-4C04-F323-217F01E33B93}"/>
-              </a:ext>
-            </a:extLst>
-          </p:cNvPr>
-          <p:cNvSpPr>
-            <a:spLocks noGrp="1"/>
-          </p:cNvSpPr>
-          <p:nvPr>
-            <p:ph idx="1"/>
-          </p:nvPr>
-        </p:nvSpPr>
-        <p:spPr>
-          <a:xfrm>
-            <a:off x="506506" y="1129096"/>
-            <a:ext cx="10515600" cy="4647861"/>
-          </a:xfrm>
-        </p:spPr>
-        <p:txBody>
-          <a:bodyPr>
-            <a:normAutofit fontScale="85000" lnSpcReduction="20000"/>
-          </a:bodyPr>
-          <a:lstStyle/>
-          <a:p>
-            <a:r>
-              <a:rPr lang="ru-RU" sz="2400" dirty="0"/>
-              <a:t>Если </a:t>
-            </a:r>
-            <a:r>
-              <a:rPr lang="en-US" sz="2400" dirty="0"/>
-              <a:t>h -</a:t>
-            </a:r>
-            <a:r>
-              <a:rPr lang="ru-RU" sz="2400" dirty="0"/>
-              <a:t>вектора состояний</a:t>
-            </a:r>
-            <a:r>
-              <a:rPr lang="en-US" sz="2400" dirty="0"/>
-              <a:t> </a:t>
-            </a:r>
-            <a:r>
-              <a:rPr lang="ru-RU" sz="2400" dirty="0"/>
-              <a:t>(памяти), а </a:t>
-            </a:r>
-            <a:r>
-              <a:rPr lang="en-US" sz="2400" dirty="0"/>
-              <a:t>W – </a:t>
-            </a:r>
-            <a:r>
-              <a:rPr lang="ru-RU" sz="2400" dirty="0"/>
-              <a:t>набор весовых параметров, то рекуррентные нейронные сети это тип сетей, основанный на пере использовании </a:t>
-            </a:r>
-          </a:p>
-          <a:p>
-            <a:pPr marL="1428750" lvl="3" indent="-514350">
-              <a:lnSpc>
-                <a:spcPct val="120000"/>
-              </a:lnSpc>
-              <a:spcBef>
-                <a:spcPts val="0"/>
-              </a:spcBef>
-              <a:buFont typeface="+mj-lt"/>
-              <a:buAutoNum type="arabicPeriod"/>
-            </a:pPr>
-            <a:r>
-              <a:rPr lang="ru-RU" b="1" dirty="0"/>
-              <a:t>одних </a:t>
-            </a:r>
-            <a:r>
-              <a:rPr lang="en-US" b="1" dirty="0"/>
-              <a:t>W </a:t>
-            </a:r>
-            <a:r>
-              <a:rPr lang="ru-RU" b="1" dirty="0"/>
-              <a:t>и изменяющегося </a:t>
-            </a:r>
-            <a:r>
-              <a:rPr lang="en-US" b="1" dirty="0"/>
-              <a:t>h </a:t>
-            </a:r>
-            <a:r>
-              <a:rPr lang="ru-RU" b="1" dirty="0"/>
-              <a:t>для последовательных участков данных </a:t>
-            </a:r>
-            <a:endParaRPr lang="ru-RU" sz="1700" b="1" dirty="0">
-              <a:ea typeface="Calibri" panose="020F0502020204030204" pitchFamily="34" charset="0"/>
-              <a:cs typeface="Times New Roman" panose="02020603050405020304" pitchFamily="18" charset="0"/>
-            </a:endParaRPr>
-          </a:p>
-          <a:p>
-            <a:pPr marL="1428750" lvl="3" indent="-514350">
-              <a:lnSpc>
-                <a:spcPct val="120000"/>
-              </a:lnSpc>
-              <a:spcBef>
-                <a:spcPts val="0"/>
-              </a:spcBef>
-              <a:buFont typeface="+mj-lt"/>
-              <a:buAutoNum type="arabicPeriod"/>
-            </a:pPr>
-            <a:r>
-              <a:rPr lang="ru-RU" dirty="0"/>
-              <a:t>одного </a:t>
-            </a:r>
-            <a:r>
-              <a:rPr lang="en-US" dirty="0"/>
-              <a:t>h </a:t>
-            </a:r>
-            <a:r>
-              <a:rPr lang="ru-RU" dirty="0"/>
-              <a:t>и изменяющихся </a:t>
-            </a:r>
-            <a:r>
-              <a:rPr lang="en-US" dirty="0"/>
-              <a:t>W </a:t>
-            </a:r>
-            <a:r>
-              <a:rPr lang="ru-RU" dirty="0"/>
-              <a:t>для последовательных участков данных </a:t>
-            </a:r>
-            <a:endParaRPr lang="ru-RU" sz="1700" dirty="0">
-              <a:ea typeface="Calibri" panose="020F0502020204030204" pitchFamily="34" charset="0"/>
-              <a:cs typeface="Times New Roman" panose="02020603050405020304" pitchFamily="18" charset="0"/>
-            </a:endParaRPr>
-          </a:p>
-          <a:p>
-            <a:pPr marL="1428750" lvl="3" indent="-514350">
-              <a:lnSpc>
-                <a:spcPct val="120000"/>
-              </a:lnSpc>
-              <a:spcBef>
-                <a:spcPts val="0"/>
-              </a:spcBef>
-              <a:buFont typeface="+mj-lt"/>
-              <a:buAutoNum type="arabicPeriod"/>
-            </a:pPr>
-            <a:r>
-              <a:rPr lang="ru-RU" dirty="0"/>
-              <a:t>одних </a:t>
-            </a:r>
-            <a:r>
-              <a:rPr lang="en-US" dirty="0"/>
-              <a:t>W </a:t>
-            </a:r>
-            <a:r>
-              <a:rPr lang="ru-RU" dirty="0"/>
-              <a:t>и изменяющегося </a:t>
-            </a:r>
-            <a:r>
-              <a:rPr lang="en-US" dirty="0"/>
-              <a:t>h </a:t>
-            </a:r>
-            <a:r>
-              <a:rPr lang="ru-RU" dirty="0"/>
-              <a:t>для произвольных участков данных </a:t>
-            </a:r>
-            <a:endParaRPr lang="ru-RU" sz="1700" dirty="0">
-              <a:ea typeface="Calibri" panose="020F0502020204030204" pitchFamily="34" charset="0"/>
-              <a:cs typeface="Times New Roman" panose="02020603050405020304" pitchFamily="18" charset="0"/>
-            </a:endParaRPr>
-          </a:p>
-          <a:p>
-            <a:pPr marL="1428750" lvl="3" indent="-514350">
-              <a:lnSpc>
-                <a:spcPct val="120000"/>
-              </a:lnSpc>
-              <a:spcBef>
-                <a:spcPts val="0"/>
-              </a:spcBef>
-              <a:buFont typeface="+mj-lt"/>
-              <a:buAutoNum type="arabicPeriod"/>
-            </a:pPr>
-            <a:r>
-              <a:rPr lang="ru-RU" dirty="0"/>
-              <a:t>одних </a:t>
-            </a:r>
-            <a:r>
-              <a:rPr lang="en-US" dirty="0"/>
-              <a:t>W </a:t>
-            </a:r>
-            <a:r>
-              <a:rPr lang="ru-RU" dirty="0"/>
-              <a:t>и одних </a:t>
-            </a:r>
-            <a:r>
-              <a:rPr lang="en-US" dirty="0"/>
-              <a:t>h </a:t>
-            </a:r>
-            <a:r>
-              <a:rPr lang="ru-RU" dirty="0"/>
-              <a:t>для произвольных участков данных </a:t>
-            </a:r>
-            <a:endParaRPr lang="ru-RU" dirty="0">
-              <a:ea typeface="Calibri" panose="020F0502020204030204" pitchFamily="34" charset="0"/>
-              <a:cs typeface="Times New Roman" panose="02020603050405020304" pitchFamily="18" charset="0"/>
-            </a:endParaRPr>
-          </a:p>
-          <a:p>
-            <a:r>
-              <a:rPr lang="ru-RU" sz="2600" dirty="0"/>
-              <a:t>Выберите особенность использования </a:t>
-            </a:r>
-            <a:r>
-              <a:rPr lang="en-US" sz="2600" dirty="0"/>
-              <a:t>LSTM </a:t>
-            </a:r>
-            <a:r>
-              <a:rPr lang="ru-RU" sz="2600" dirty="0"/>
-              <a:t>ячеек:</a:t>
-            </a:r>
-            <a:endParaRPr lang="ru-RU" sz="3100" dirty="0"/>
-          </a:p>
-          <a:p>
-            <a:pPr marL="1428750" lvl="2" indent="-514350">
-              <a:buFont typeface="+mj-lt"/>
-              <a:buAutoNum type="arabicPeriod"/>
-            </a:pPr>
-            <a:r>
-              <a:rPr lang="ru-RU" b="1" dirty="0"/>
-              <a:t>Отдельное состояние долговременной памяти</a:t>
-            </a:r>
-          </a:p>
-          <a:p>
-            <a:pPr marL="1428750" lvl="2" indent="-514350">
-              <a:buFont typeface="+mj-lt"/>
-              <a:buAutoNum type="arabicPeriod"/>
-            </a:pPr>
-            <a:r>
-              <a:rPr lang="ru-RU" dirty="0"/>
-              <a:t>Одновременный учет кратковременных и долговременных состояний</a:t>
-            </a:r>
-            <a:endParaRPr lang="ru-RU" sz="2800" dirty="0"/>
-          </a:p>
-          <a:p>
-            <a:pPr marL="1428750" lvl="2" indent="-514350">
-              <a:buFont typeface="+mj-lt"/>
-              <a:buAutoNum type="arabicPeriod"/>
-            </a:pPr>
-            <a:r>
-              <a:rPr lang="ru-RU" dirty="0"/>
-              <a:t>Отсутствие кратковременной памяти в модели </a:t>
-            </a:r>
-          </a:p>
-          <a:p>
-            <a:pPr marL="1428750" lvl="2" indent="-514350">
-              <a:buFont typeface="+mj-lt"/>
-              <a:buAutoNum type="arabicPeriod"/>
-            </a:pPr>
-            <a:r>
-              <a:rPr lang="ru-RU" dirty="0"/>
-              <a:t>Отсутствие долговременной памяти в модели</a:t>
-            </a:r>
-            <a:r>
-              <a:rPr lang="ru-RU" dirty="0">
-                <a:ea typeface="Calibri" panose="020F0502020204030204" pitchFamily="34" charset="0"/>
-                <a:cs typeface="Times New Roman" panose="02020603050405020304" pitchFamily="18" charset="0"/>
-              </a:rPr>
-              <a:t> </a:t>
-            </a:r>
-          </a:p>
-          <a:p>
-            <a:r>
-              <a:rPr lang="ru-RU" dirty="0"/>
-              <a:t>В вероятностном обучении:</a:t>
-            </a:r>
-            <a:endParaRPr lang="ru-RU" sz="2400" dirty="0"/>
-          </a:p>
-          <a:p>
-            <a:pPr marL="1371600" lvl="2" indent="-457200">
-              <a:buFont typeface="+mj-lt"/>
-              <a:buAutoNum type="arabicPeriod"/>
-            </a:pPr>
-            <a:r>
-              <a:rPr lang="ru-RU" sz="1800" b="1" dirty="0"/>
-              <a:t>Итоговое предсказание порождается из предсказанного распределения</a:t>
-            </a:r>
-            <a:endParaRPr lang="ru-RU" sz="2600" dirty="0"/>
-          </a:p>
-          <a:p>
-            <a:pPr marL="1371600" lvl="2" indent="-457200">
-              <a:buFont typeface="+mj-lt"/>
-              <a:buAutoNum type="arabicPeriod"/>
-            </a:pPr>
-            <a:r>
-              <a:rPr lang="ru-RU" sz="1800" dirty="0"/>
-              <a:t>Итоговое предсказание порождает заданное распределение</a:t>
-            </a:r>
-            <a:endParaRPr lang="ru-RU" sz="2600" dirty="0"/>
-          </a:p>
-          <a:p>
-            <a:pPr marL="1371600" lvl="2" indent="-457200">
-              <a:buFont typeface="+mj-lt"/>
-              <a:buAutoNum type="arabicPeriod"/>
-            </a:pPr>
-            <a:r>
-              <a:rPr lang="ru-RU" sz="1800" dirty="0"/>
-              <a:t>Порождается распределение, но не предсказание</a:t>
-            </a:r>
-            <a:endParaRPr lang="ru-RU" sz="2600" dirty="0"/>
-          </a:p>
-          <a:p>
-            <a:pPr marL="1371600" lvl="2" indent="-457200">
-              <a:buFont typeface="+mj-lt"/>
-              <a:buAutoNum type="arabicPeriod"/>
-            </a:pPr>
-            <a:r>
-              <a:rPr lang="ru-RU" sz="1800" dirty="0"/>
-              <a:t>Итоговое </a:t>
-            </a:r>
-            <a:r>
-              <a:rPr lang="ru-RU" sz="1800" dirty="0" err="1"/>
-              <a:t>распредление</a:t>
-            </a:r>
-            <a:r>
-              <a:rPr lang="ru-RU" sz="1800" dirty="0"/>
-              <a:t> порождает заданное распределение  </a:t>
-            </a:r>
-          </a:p>
-          <a:p>
-            <a:r>
-              <a:rPr lang="ru-RU" dirty="0"/>
-              <a:t>Выберите пример задачи где не используется рекуррентная сеть (а):</a:t>
-            </a:r>
-            <a:endParaRPr lang="ru-RU" sz="2400" dirty="0"/>
-          </a:p>
-          <a:p>
-            <a:pPr marL="514350" indent="-514350">
-              <a:buFont typeface="+mj-lt"/>
-              <a:buAutoNum type="arabicPeriod"/>
-            </a:pPr>
-            <a:endParaRPr lang="ru-RU" dirty="0">
-              <a:ea typeface="Calibri" panose="020F0502020204030204" pitchFamily="34" charset="0"/>
-              <a:cs typeface="Times New Roman" panose="02020603050405020304" pitchFamily="18" charset="0"/>
-            </a:endParaRPr>
-          </a:p>
-          <a:p>
-            <a:endParaRPr lang="ru-RU" dirty="0"/>
-          </a:p>
-        </p:txBody>
-      </p:sp>
-      <p:pic>
-        <p:nvPicPr>
-          <p:cNvPr id="6" name="Рисунок 5"/>
-          <p:cNvPicPr>
-            <a:picLocks noChangeAspect="1"/>
-          </p:cNvPicPr>
-          <p:nvPr/>
-        </p:nvPicPr>
-        <p:blipFill rotWithShape="1">
-          <a:blip r:embed="rId2"/>
-          <a:srcRect b="51061"/>
-          <a:stretch/>
-        </p:blipFill>
-        <p:spPr>
-          <a:xfrm>
-            <a:off x="2221907" y="5587647"/>
-            <a:ext cx="1939895" cy="1150049"/>
-          </a:xfrm>
-          <a:prstGeom prst="rect">
-            <a:avLst/>
-          </a:prstGeom>
-        </p:spPr>
-      </p:pic>
-      <p:pic>
-        <p:nvPicPr>
-          <p:cNvPr id="7" name="Рисунок 6"/>
-          <p:cNvPicPr>
-            <a:picLocks noChangeAspect="1"/>
-          </p:cNvPicPr>
-          <p:nvPr/>
-        </p:nvPicPr>
-        <p:blipFill rotWithShape="1">
-          <a:blip r:embed="rId2"/>
-          <a:srcRect t="49793"/>
-          <a:stretch/>
-        </p:blipFill>
-        <p:spPr>
-          <a:xfrm>
-            <a:off x="5764306" y="5475462"/>
-            <a:ext cx="2230777" cy="1356769"/>
-          </a:xfrm>
-          <a:prstGeom prst="rect">
-            <a:avLst/>
-          </a:prstGeom>
-        </p:spPr>
-      </p:pic>
-    </p:spTree>
-    <p:extLst>
-      <p:ext uri="{BB962C8B-B14F-4D97-AF65-F5344CB8AC3E}">
-        <p14:creationId xmlns:p14="http://schemas.microsoft.com/office/powerpoint/2010/main" val="1098108219"/>
-      </p:ext>
-    </p:extLst>
-  </p:cSld>
-  <p:clrMapOvr>
-    <a:masterClrMapping/>
-  </p:clrMapOvr>
-</p:sld>
-</file>
-
-<file path=ppt/slides/slide31.xml><?xml version="1.0" encoding="utf-8"?>
-<p:sld xmlns:a="http://schemas.openxmlformats.org/drawingml/2006/main" xmlns:r="http://schemas.openxmlformats.org/officeDocument/2006/relationships" xmlns:p="http://schemas.openxmlformats.org/presentationml/2006/main">
-  <p:cSld>
-    <p:spTree>
-      <p:nvGrpSpPr>
-        <p:cNvPr id="1" name=""/>
-        <p:cNvGrpSpPr/>
-        <p:nvPr/>
-      </p:nvGrpSpPr>
-      <p:grpSpPr>
-        <a:xfrm>
-          <a:off x="0" y="0"/>
-          <a:ext cx="0" cy="0"/>
-          <a:chOff x="0" y="0"/>
-          <a:chExt cx="0" cy="0"/>
-        </a:xfrm>
-      </p:grpSpPr>
-      <p:sp>
-        <p:nvSpPr>
-          <p:cNvPr id="2" name="Заголовок 1">
-            <a:extLst>
-              <a:ext uri="{FF2B5EF4-FFF2-40B4-BE49-F238E27FC236}">
-                <a16:creationId xmlns:a16="http://schemas.microsoft.com/office/drawing/2014/main" id="{E5E18C16-493F-C0F6-1226-B953C44BB2B9}"/>
-              </a:ext>
-            </a:extLst>
-          </p:cNvPr>
-          <p:cNvSpPr>
-            <a:spLocks noGrp="1"/>
-          </p:cNvSpPr>
-          <p:nvPr>
-            <p:ph type="title"/>
-          </p:nvPr>
-        </p:nvSpPr>
-        <p:spPr>
-          <a:xfrm>
-            <a:off x="398929" y="0"/>
-            <a:ext cx="10515600" cy="1325563"/>
-          </a:xfrm>
-        </p:spPr>
-        <p:txBody>
-          <a:bodyPr>
-            <a:normAutofit/>
-          </a:bodyPr>
-          <a:lstStyle/>
-          <a:p>
-            <a:r>
-              <a:rPr lang="ru-RU" sz="4800" b="1" dirty="0"/>
-              <a:t>Вопросы Продвинутые </a:t>
-            </a:r>
-            <a:r>
-              <a:rPr lang="en-US" sz="4800" b="1" dirty="0"/>
-              <a:t>(X)-</a:t>
-            </a:r>
-            <a:r>
-              <a:rPr lang="ru-RU" sz="4800" b="1" dirty="0"/>
-              <a:t>верно</a:t>
-            </a:r>
-          </a:p>
-        </p:txBody>
-      </p:sp>
-      <p:sp>
-        <p:nvSpPr>
-          <p:cNvPr id="3" name="Объект 2">
-            <a:extLst>
-              <a:ext uri="{FF2B5EF4-FFF2-40B4-BE49-F238E27FC236}">
-                <a16:creationId xmlns:a16="http://schemas.microsoft.com/office/drawing/2014/main" id="{BE421393-E6D9-4C04-F323-217F01E33B93}"/>
-              </a:ext>
-            </a:extLst>
-          </p:cNvPr>
-          <p:cNvSpPr>
-            <a:spLocks noGrp="1"/>
-          </p:cNvSpPr>
-          <p:nvPr>
-            <p:ph idx="1"/>
-          </p:nvPr>
-        </p:nvSpPr>
-        <p:spPr>
-          <a:xfrm>
-            <a:off x="398928" y="1075308"/>
-            <a:ext cx="11551645" cy="5782692"/>
-          </a:xfrm>
-        </p:spPr>
-        <p:txBody>
-          <a:bodyPr>
-            <a:normAutofit fontScale="92500" lnSpcReduction="20000"/>
-          </a:bodyPr>
-          <a:lstStyle/>
-          <a:p>
-            <a:pPr lvl="0"/>
-            <a:r>
-              <a:rPr lang="ru-RU" sz="1700" b="1" dirty="0"/>
-              <a:t>Выберите примеры предложений корректных предложений касательно использования нейронных сетей в анализе ВР</a:t>
-            </a:r>
-          </a:p>
-          <a:p>
-            <a:pPr marL="800100" lvl="1" indent="-342900">
-              <a:buFont typeface="+mj-lt"/>
-              <a:buAutoNum type="arabicPeriod"/>
-            </a:pPr>
-            <a:r>
-              <a:rPr lang="ru-RU" sz="1700" dirty="0"/>
-              <a:t>Автоматически извлекают и обрабатывают признаки ВР  (х)</a:t>
-            </a:r>
-          </a:p>
-          <a:p>
-            <a:pPr marL="800100" lvl="1" indent="-342900">
-              <a:buFont typeface="+mj-lt"/>
-              <a:buAutoNum type="arabicPeriod"/>
-            </a:pPr>
-            <a:r>
-              <a:rPr lang="ru-RU" sz="1700" dirty="0"/>
-              <a:t>работают с многомерными ВР без моделей взаимосвязей между ними (х)</a:t>
-            </a:r>
-          </a:p>
-          <a:p>
-            <a:pPr marL="800100" lvl="1" indent="-342900">
-              <a:buFont typeface="+mj-lt"/>
-              <a:buAutoNum type="arabicPeriod"/>
-            </a:pPr>
-            <a:r>
-              <a:rPr lang="ru-RU" sz="1700" dirty="0"/>
-              <a:t>Редко достигают сопоставимой точности с подходом на основе модели для относительно простых ВР (х)</a:t>
-            </a:r>
-          </a:p>
-          <a:p>
-            <a:pPr marL="800100" lvl="1" indent="-342900">
-              <a:buFont typeface="+mj-lt"/>
-              <a:buAutoNum type="arabicPeriod"/>
-            </a:pPr>
-            <a:r>
-              <a:rPr lang="ru-RU" sz="1700" dirty="0"/>
-              <a:t>Требуют ручного извлечения признаков в качестве входного вектора</a:t>
-            </a:r>
-          </a:p>
-          <a:p>
-            <a:pPr marL="800100" lvl="1" indent="-342900">
-              <a:buFont typeface="+mj-lt"/>
-              <a:buAutoNum type="arabicPeriod"/>
-            </a:pPr>
-            <a:r>
-              <a:rPr lang="ru-RU" sz="1700" dirty="0"/>
-              <a:t>Не работают для ВР с пропусками или неравномерным шагом</a:t>
-            </a:r>
-          </a:p>
-          <a:p>
-            <a:pPr marL="800100" lvl="1" indent="-342900">
-              <a:buFont typeface="+mj-lt"/>
-              <a:buAutoNum type="arabicPeriod"/>
-            </a:pPr>
-            <a:r>
-              <a:rPr lang="ru-RU" sz="1700" dirty="0"/>
-              <a:t>для относительно простых ВР точность выше, чем для подходов на основе моделей</a:t>
-            </a:r>
-          </a:p>
-          <a:p>
-            <a:pPr marL="800100" lvl="1" indent="-342900">
-              <a:buFont typeface="+mj-lt"/>
-              <a:buAutoNum type="arabicPeriod"/>
-            </a:pPr>
-            <a:r>
-              <a:rPr lang="ru-RU" sz="1700" dirty="0"/>
-              <a:t>Не требуют использования ансамблей моделей </a:t>
-            </a:r>
-            <a:endParaRPr lang="ru-RU" sz="1700" b="1" dirty="0">
-              <a:ea typeface="Calibri" panose="020F0502020204030204" pitchFamily="34" charset="0"/>
-              <a:cs typeface="Times New Roman" panose="02020603050405020304" pitchFamily="18" charset="0"/>
-            </a:endParaRPr>
-          </a:p>
-          <a:p>
-            <a:pPr lvl="0"/>
-            <a:r>
-              <a:rPr lang="ru-RU" sz="1700" b="1" dirty="0"/>
-              <a:t>Выберите корректные предложения касательно использования нейронных сетей глубокого обучения</a:t>
-            </a:r>
-          </a:p>
-          <a:p>
-            <a:pPr marL="914400" lvl="1" indent="-457200">
-              <a:buFont typeface="+mj-lt"/>
-              <a:buAutoNum type="arabicPeriod"/>
-            </a:pPr>
-            <a:r>
-              <a:rPr lang="ru-RU" sz="1700" dirty="0"/>
-              <a:t>устойчивость к выбросам и пропущенным значениям</a:t>
-            </a:r>
-            <a:r>
-              <a:rPr lang="en-US" sz="1700" dirty="0"/>
-              <a:t> (x)</a:t>
-            </a:r>
-            <a:r>
-              <a:rPr lang="ru-RU" sz="1700" dirty="0"/>
-              <a:t>.</a:t>
-            </a:r>
-          </a:p>
-          <a:p>
-            <a:pPr marL="914400" lvl="1" indent="-457200">
-              <a:buFont typeface="+mj-lt"/>
-              <a:buAutoNum type="arabicPeriod"/>
-            </a:pPr>
-            <a:r>
-              <a:rPr lang="ru-RU" sz="1700" dirty="0"/>
-              <a:t>возможность работы с нерегулярными и неравномерными временными рядами</a:t>
-            </a:r>
-            <a:r>
-              <a:rPr lang="en-US" sz="1700" dirty="0"/>
-              <a:t> (x)</a:t>
-            </a:r>
-            <a:r>
-              <a:rPr lang="ru-RU" sz="1700" dirty="0"/>
-              <a:t>. </a:t>
-            </a:r>
-            <a:endParaRPr lang="en-US" sz="1700" dirty="0"/>
-          </a:p>
-          <a:p>
-            <a:pPr marL="914400" lvl="1" indent="-457200">
-              <a:buFont typeface="+mj-lt"/>
-              <a:buAutoNum type="arabicPeriod"/>
-            </a:pPr>
-            <a:r>
-              <a:rPr lang="ru-RU" sz="1700" dirty="0"/>
-              <a:t>хорошая производительность на многомерных рядах с любым количеством признаков (х)</a:t>
-            </a:r>
-          </a:p>
-          <a:p>
-            <a:pPr marL="914400" lvl="1" indent="-457200">
-              <a:buFont typeface="+mj-lt"/>
-              <a:buAutoNum type="arabicPeriod"/>
-            </a:pPr>
-            <a:r>
-              <a:rPr lang="ru-RU" sz="1700" dirty="0"/>
-              <a:t>возможность делать долгосрочные многошаговые прогнозы </a:t>
-            </a:r>
-            <a:r>
-              <a:rPr lang="en-US" sz="1700" dirty="0"/>
-              <a:t>(x)</a:t>
-            </a:r>
-            <a:r>
-              <a:rPr lang="ru-RU" sz="1700" dirty="0"/>
-              <a:t>.</a:t>
-            </a:r>
-          </a:p>
-          <a:p>
-            <a:pPr marL="914400" lvl="1" indent="-457200">
-              <a:buFont typeface="+mj-lt"/>
-              <a:buAutoNum type="arabicPeriod"/>
-            </a:pPr>
-            <a:r>
-              <a:rPr lang="ru-RU" sz="1700" dirty="0"/>
-              <a:t>Требуют введения допущений о моделях взаимосвязей работают с многомерных ВР </a:t>
-            </a:r>
-          </a:p>
-          <a:p>
-            <a:pPr marL="914400" lvl="1" indent="-457200">
-              <a:buFont typeface="+mj-lt"/>
-              <a:buAutoNum type="arabicPeriod"/>
-            </a:pPr>
-            <a:r>
-              <a:rPr lang="ru-RU" sz="1700" dirty="0"/>
-              <a:t>Выбросы и отсутствующие значения могут существенно повлиять на производительность моделей</a:t>
-            </a:r>
-          </a:p>
-          <a:p>
-            <a:pPr marL="914400" lvl="1" indent="-457200">
-              <a:buFont typeface="+mj-lt"/>
-              <a:buAutoNum type="arabicPeriod"/>
-            </a:pPr>
-            <a:r>
-              <a:rPr lang="ru-RU" sz="1700" dirty="0"/>
-              <a:t>Хорошая точность только для краткосрочных прогнозов.</a:t>
-            </a:r>
-          </a:p>
-          <a:p>
-            <a:pPr marL="914400" lvl="1" indent="-457200">
-              <a:buFont typeface="+mj-lt"/>
-              <a:buAutoNum type="arabicPeriod"/>
-            </a:pPr>
-            <a:r>
-              <a:rPr lang="ru-RU" sz="1700" dirty="0"/>
-              <a:t>не способны распознавать сложные шаблоны поведения в данных</a:t>
-            </a:r>
-            <a:r>
-              <a:rPr lang="en-US" sz="1700" dirty="0"/>
-              <a:t> </a:t>
-            </a:r>
-            <a:endParaRPr lang="ru-RU" sz="1700" dirty="0"/>
-          </a:p>
-          <a:p>
-            <a:pPr marL="265113" lvl="1"/>
-            <a:r>
-              <a:rPr lang="ru-RU" sz="1700" b="1" dirty="0"/>
-              <a:t>Выберите корректные предложения касательно использования рекуррентных нейронных сетей </a:t>
-            </a:r>
-          </a:p>
-          <a:p>
-            <a:pPr marL="950913" lvl="2" indent="-457200">
-              <a:buFont typeface="+mj-lt"/>
-              <a:buAutoNum type="arabicPeriod"/>
-            </a:pPr>
-            <a:r>
-              <a:rPr lang="ru-RU" sz="1700" dirty="0"/>
-              <a:t>Используют скрытое состояние, которое передается из одной позиции в другую (х)</a:t>
-            </a:r>
-          </a:p>
-          <a:p>
-            <a:pPr marL="950913" lvl="2" indent="-457200">
-              <a:buFont typeface="+mj-lt"/>
-              <a:buAutoNum type="arabicPeriod"/>
-            </a:pPr>
-            <a:r>
-              <a:rPr lang="ru-RU" sz="1700" dirty="0"/>
-              <a:t>Имеют режим двунаправленной обработки данных (х)</a:t>
-            </a:r>
-          </a:p>
-          <a:p>
-            <a:pPr marL="950913" lvl="2" indent="-457200">
-              <a:buFont typeface="+mj-lt"/>
-              <a:buAutoNum type="arabicPeriod"/>
-            </a:pPr>
-            <a:r>
-              <a:rPr lang="ru-RU" sz="1700" dirty="0"/>
-              <a:t>Часто архитектуры имеют по 50-100 слоев в глубину</a:t>
-            </a:r>
-          </a:p>
-          <a:p>
-            <a:pPr marL="950913" lvl="2" indent="-457200">
-              <a:buFont typeface="+mj-lt"/>
-              <a:buAutoNum type="arabicPeriod"/>
-            </a:pPr>
-            <a:r>
-              <a:rPr lang="ru-RU" sz="1700" dirty="0"/>
-              <a:t>Низкая вероятность переобучения даже для сверх длинных последовательностей</a:t>
-            </a:r>
-          </a:p>
-          <a:p>
-            <a:pPr marL="950913" lvl="2" indent="-457200">
-              <a:buFont typeface="+mj-lt"/>
-              <a:buAutoNum type="arabicPeriod"/>
-            </a:pPr>
-            <a:r>
-              <a:rPr lang="ru-RU" sz="1700" dirty="0"/>
-              <a:t>Число параметров сети увеличено относительно полносвязаной за счет вектора состояния</a:t>
-            </a:r>
-          </a:p>
-          <a:p>
-            <a:pPr marL="950913" lvl="2" indent="-457200">
-              <a:buFont typeface="+mj-lt"/>
-              <a:buAutoNum type="arabicPeriod"/>
-            </a:pPr>
-            <a:endParaRPr lang="ru-RU" dirty="0"/>
-          </a:p>
-          <a:p>
-            <a:pPr marL="950913" lvl="2" indent="-457200">
-              <a:buFont typeface="+mj-lt"/>
-              <a:buAutoNum type="arabicPeriod"/>
-            </a:pPr>
-            <a:endParaRPr lang="ru-RU" dirty="0"/>
-          </a:p>
-          <a:p>
-            <a:pPr marL="914400" lvl="1" indent="-457200">
-              <a:buFont typeface="+mj-lt"/>
-              <a:buAutoNum type="arabicPeriod"/>
-            </a:pPr>
-            <a:endParaRPr lang="ru-RU" sz="2200" dirty="0"/>
-          </a:p>
-          <a:p>
-            <a:pPr marL="914400" lvl="2" indent="-457200">
-              <a:buFont typeface="+mj-lt"/>
-              <a:buAutoNum type="arabicPeriod"/>
-            </a:pPr>
-            <a:endParaRPr lang="ru-RU" sz="1500" b="1" dirty="0">
-              <a:ea typeface="Calibri" panose="020F0502020204030204" pitchFamily="34" charset="0"/>
-              <a:cs typeface="Times New Roman" panose="02020603050405020304" pitchFamily="18" charset="0"/>
-            </a:endParaRPr>
-          </a:p>
-        </p:txBody>
-      </p:sp>
-    </p:spTree>
-    <p:extLst>
-      <p:ext uri="{BB962C8B-B14F-4D97-AF65-F5344CB8AC3E}">
-        <p14:creationId xmlns:p14="http://schemas.microsoft.com/office/powerpoint/2010/main" val="2539980141"/>
-      </p:ext>
-    </p:extLst>
-  </p:cSld>
-  <p:clrMapOvr>
-    <a:masterClrMapping/>
-  </p:clrMapOvr>
+  <p:timing>
+    <p:tnLst>
+      <p:par>
+        <p:cTn id="1" dur="indefinite" restart="never" nodeType="tmRoot"/>
+      </p:par>
+    </p:tnLst>
+  </p:timing>
 </p:sld>
 </file>
 
@@ -21048,6 +20371,13 @@
   <p:clrMapOvr>
     <a:masterClrMapping/>
   </p:clrMapOvr>
+  <p:timing>
+    <p:tnLst>
+      <p:par>
+        <p:cTn id="1" dur="indefinite" restart="never" nodeType="tmRoot"/>
+      </p:par>
+    </p:tnLst>
+  </p:timing>
 </p:sld>
 </file>
 
@@ -21233,6 +20563,13 @@
   <p:clrMapOvr>
     <a:masterClrMapping/>
   </p:clrMapOvr>
+  <p:timing>
+    <p:tnLst>
+      <p:par>
+        <p:cTn id="1" dur="indefinite" restart="never" nodeType="tmRoot"/>
+      </p:par>
+    </p:tnLst>
+  </p:timing>
 </p:sld>
 </file>
 
@@ -21421,6 +20758,13 @@
   <p:clrMapOvr>
     <a:masterClrMapping/>
   </p:clrMapOvr>
+  <p:timing>
+    <p:tnLst>
+      <p:par>
+        <p:cTn id="1" dur="indefinite" restart="never" nodeType="tmRoot"/>
+      </p:par>
+    </p:tnLst>
+  </p:timing>
 </p:sld>
 </file>
 
@@ -21579,6 +20923,215 @@
             </a:r>
           </a:p>
           <a:p>
+            <a:pPr lvl="0">
+              <a:spcBef>
+                <a:spcPts val="0"/>
+              </a:spcBef>
+            </a:pPr>
+            <a:r>
+              <a:rPr lang="ru-RU" sz="1800" b="1" dirty="0" err="1" smtClean="0"/>
+              <a:t>Сверточная</a:t>
+            </a:r>
+            <a:r>
+              <a:rPr lang="ru-RU" sz="1800" b="1" dirty="0" smtClean="0"/>
+              <a:t> </a:t>
+            </a:r>
+            <a:r>
+              <a:rPr lang="ru-RU" sz="1800" b="1" dirty="0"/>
+              <a:t>нейронная сеть (CNN)</a:t>
+            </a:r>
+            <a:endParaRPr lang="ru-RU" sz="1800" dirty="0"/>
+          </a:p>
+          <a:p>
+            <a:pPr lvl="1">
+              <a:spcBef>
+                <a:spcPts val="0"/>
+              </a:spcBef>
+            </a:pPr>
+            <a:r>
+              <a:rPr lang="ru-RU" sz="1800" dirty="0"/>
+              <a:t>2d-conv для многомерных данных;</a:t>
+            </a:r>
+          </a:p>
+          <a:p>
+            <a:pPr lvl="1">
+              <a:spcBef>
+                <a:spcPts val="0"/>
+              </a:spcBef>
+            </a:pPr>
+            <a:r>
+              <a:rPr lang="ru-RU" sz="1800" dirty="0"/>
+              <a:t>2d-conv для данных, преобразованных в 2-мерные (сегментация, скольжение, прочее);</a:t>
+            </a:r>
+          </a:p>
+          <a:p>
+            <a:pPr lvl="1">
+              <a:spcBef>
+                <a:spcPts val="0"/>
+              </a:spcBef>
+            </a:pPr>
+            <a:r>
+              <a:rPr lang="ru-RU" sz="1800" dirty="0"/>
+              <a:t>1d-conv для скользящего оконного набора данных;</a:t>
+            </a:r>
+          </a:p>
+          <a:p>
+            <a:pPr lvl="1">
+              <a:spcBef>
+                <a:spcPts val="0"/>
+              </a:spcBef>
+            </a:pPr>
+            <a:r>
+              <a:rPr lang="ru-RU" sz="1800" dirty="0"/>
+              <a:t>1d-wave-conv (расширенная свертка, случайная свертка, временная </a:t>
+            </a:r>
+            <a:r>
+              <a:rPr lang="ru-RU" sz="1800" dirty="0" err="1"/>
+              <a:t>сверточная</a:t>
+            </a:r>
+            <a:r>
+              <a:rPr lang="ru-RU" sz="1800" dirty="0"/>
+              <a:t> сеть (TCN)) для набора данных;</a:t>
+            </a:r>
+            <a:endParaRPr lang="en-US" sz="1800" dirty="0"/>
+          </a:p>
+          <a:p>
+            <a:pPr lvl="0">
+              <a:spcBef>
+                <a:spcPts val="0"/>
+              </a:spcBef>
+            </a:pPr>
+            <a:r>
+              <a:rPr lang="ru-RU" sz="1800" b="1" dirty="0"/>
+              <a:t>Рекуррентная нейронная сеть (RNN)</a:t>
+            </a:r>
+            <a:endParaRPr lang="ru-RU" sz="1800" dirty="0"/>
+          </a:p>
+          <a:p>
+            <a:pPr lvl="1">
+              <a:spcBef>
+                <a:spcPts val="0"/>
+              </a:spcBef>
+            </a:pPr>
+            <a:r>
+              <a:rPr lang="ru-RU" sz="1800" dirty="0"/>
+              <a:t>Простой подход (RNN, LSTM, GRU);</a:t>
+            </a:r>
+          </a:p>
+          <a:p>
+            <a:pPr lvl="1">
+              <a:spcBef>
+                <a:spcPts val="0"/>
+              </a:spcBef>
+            </a:pPr>
+            <a:r>
+              <a:rPr lang="ru-RU" sz="1800" dirty="0"/>
+              <a:t>двунаправленный подход (RNN, LSTM, GRU);</a:t>
+            </a:r>
+          </a:p>
+          <a:p>
+            <a:pPr lvl="1">
+              <a:spcBef>
+                <a:spcPts val="0"/>
+              </a:spcBef>
+            </a:pPr>
+            <a:r>
+              <a:rPr lang="ru-RU" sz="1800" dirty="0"/>
+              <a:t>многоуровневый или глубокий подход RNN (RNN, LSTM, GRU);</a:t>
+            </a:r>
+          </a:p>
+          <a:p>
+            <a:pPr lvl="1">
+              <a:spcBef>
+                <a:spcPts val="0"/>
+              </a:spcBef>
+            </a:pPr>
+            <a:r>
+              <a:rPr lang="ru-RU" sz="1800" dirty="0"/>
+              <a:t>гибридный (Рекуррентная нейронная сеть + CNN) подход;</a:t>
+            </a:r>
+          </a:p>
+          <a:p>
+            <a:pPr lvl="0">
+              <a:spcBef>
+                <a:spcPts val="0"/>
+              </a:spcBef>
+            </a:pPr>
+            <a:r>
+              <a:rPr lang="ru-RU" sz="1800" b="1" dirty="0"/>
+              <a:t>Модели на основе </a:t>
+            </a:r>
+            <a:r>
+              <a:rPr lang="ru-RU" sz="1800" b="1" dirty="0" smtClean="0"/>
+              <a:t>внимания</a:t>
+            </a:r>
+            <a:r>
+              <a:rPr lang="en-US" sz="1800" b="1" dirty="0" smtClean="0"/>
+              <a:t> </a:t>
+            </a:r>
+            <a:r>
+              <a:rPr lang="ru-RU" sz="1800" b="1" dirty="0" smtClean="0"/>
+              <a:t>и </a:t>
+            </a:r>
+            <a:r>
+              <a:rPr lang="ru-RU" sz="1800" b="1" dirty="0" err="1" smtClean="0"/>
+              <a:t>трансформеров</a:t>
+            </a:r>
+            <a:endParaRPr lang="ru-RU" sz="1800" dirty="0"/>
+          </a:p>
+          <a:p>
+            <a:pPr lvl="1">
+              <a:spcBef>
+                <a:spcPts val="0"/>
+              </a:spcBef>
+            </a:pPr>
+            <a:r>
+              <a:rPr lang="ru-RU" sz="1800" dirty="0"/>
+              <a:t>кодировщик внимания (RNN, LSTM, GRU);</a:t>
+            </a:r>
+          </a:p>
+          <a:p>
+            <a:pPr lvl="1">
+              <a:spcBef>
+                <a:spcPts val="0"/>
+              </a:spcBef>
+            </a:pPr>
+            <a:r>
+              <a:rPr lang="ru-RU" sz="1800" dirty="0" err="1"/>
+              <a:t>Самовнимание</a:t>
+            </a:r>
+            <a:r>
+              <a:rPr lang="ru-RU" sz="1800" dirty="0"/>
+              <a:t> (LSTM, GLU, CNN);</a:t>
+            </a:r>
+          </a:p>
+          <a:p>
+            <a:pPr lvl="1">
+              <a:spcBef>
+                <a:spcPts val="0"/>
+              </a:spcBef>
+            </a:pPr>
+            <a:r>
+              <a:rPr lang="ru-RU" sz="1800" dirty="0"/>
+              <a:t>Трансформаторная (CNN, FCN);</a:t>
+            </a:r>
+          </a:p>
+          <a:p>
+            <a:pPr lvl="1">
+              <a:spcBef>
+                <a:spcPts val="0"/>
+              </a:spcBef>
+            </a:pPr>
+            <a:r>
+              <a:rPr lang="ru-RU" sz="1800" dirty="0"/>
+              <a:t>гибридный подход (CNN-внимание и т. д</a:t>
+            </a:r>
+            <a:r>
+              <a:rPr lang="ru-RU" sz="1800" dirty="0" smtClean="0"/>
+              <a:t>.).</a:t>
+            </a:r>
+          </a:p>
+          <a:p>
             <a:pPr lvl="1">
               <a:spcBef>
                 <a:spcPts val="0"/>
@@ -21598,189 +21151,12 @@
             </a:r>
           </a:p>
           <a:p>
-            <a:pPr lvl="0">
+            <a:pPr lvl="1">
               <a:spcBef>
                 <a:spcPts val="0"/>
               </a:spcBef>
             </a:pPr>
-            <a:r>
-              <a:rPr lang="ru-RU" sz="1800" b="1" dirty="0" err="1"/>
-              <a:t>Сверточная</a:t>
-            </a:r>
-            <a:r>
-              <a:rPr lang="ru-RU" sz="1800" b="1" dirty="0"/>
-              <a:t> нейронная сеть (CNN)</a:t>
-            </a:r>
             <a:endParaRPr lang="ru-RU" sz="1800" dirty="0"/>
-          </a:p>
-          <a:p>
-            <a:pPr lvl="1">
-              <a:spcBef>
-                <a:spcPts val="0"/>
-              </a:spcBef>
-            </a:pPr>
-            <a:r>
-              <a:rPr lang="ru-RU" sz="1800" dirty="0"/>
-              <a:t>2d-conv для многомерных данных;</a:t>
-            </a:r>
-          </a:p>
-          <a:p>
-            <a:pPr lvl="1">
-              <a:spcBef>
-                <a:spcPts val="0"/>
-              </a:spcBef>
-            </a:pPr>
-            <a:r>
-              <a:rPr lang="ru-RU" sz="1800" dirty="0"/>
-              <a:t>2d-conv для данных, преобразованных в 2-мерные (сегментация, скольжение, прочее);</a:t>
-            </a:r>
-          </a:p>
-          <a:p>
-            <a:pPr lvl="1">
-              <a:spcBef>
-                <a:spcPts val="0"/>
-              </a:spcBef>
-            </a:pPr>
-            <a:r>
-              <a:rPr lang="ru-RU" sz="1800" dirty="0"/>
-              <a:t>1d-conv для скользящего оконного набора данных;</a:t>
-            </a:r>
-          </a:p>
-          <a:p>
-            <a:pPr lvl="1">
-              <a:spcBef>
-                <a:spcPts val="0"/>
-              </a:spcBef>
-            </a:pPr>
-            <a:r>
-              <a:rPr lang="ru-RU" sz="1800" dirty="0"/>
-              <a:t>1d-wave-conv (расширенная свертка, случайная свертка, временная </a:t>
-            </a:r>
-            <a:r>
-              <a:rPr lang="ru-RU" sz="1800" dirty="0" err="1"/>
-              <a:t>сверточная</a:t>
-            </a:r>
-            <a:r>
-              <a:rPr lang="ru-RU" sz="1800" dirty="0"/>
-              <a:t> сеть (TCN)) для набора данных;</a:t>
-            </a:r>
-            <a:endParaRPr lang="en-US" sz="1800" dirty="0"/>
-          </a:p>
-          <a:p>
-            <a:pPr lvl="0">
-              <a:spcBef>
-                <a:spcPts val="0"/>
-              </a:spcBef>
-            </a:pPr>
-            <a:r>
-              <a:rPr lang="ru-RU" sz="1800" b="1" dirty="0"/>
-              <a:t>Рекуррентная нейронная сеть (RNN)</a:t>
-            </a:r>
-            <a:endParaRPr lang="ru-RU" sz="1800" dirty="0"/>
-          </a:p>
-          <a:p>
-            <a:pPr lvl="1">
-              <a:spcBef>
-                <a:spcPts val="0"/>
-              </a:spcBef>
-            </a:pPr>
-            <a:r>
-              <a:rPr lang="ru-RU" sz="1800" dirty="0"/>
-              <a:t>Простой подход (RNN, LSTM, GRU);</a:t>
-            </a:r>
-          </a:p>
-          <a:p>
-            <a:pPr lvl="1">
-              <a:spcBef>
-                <a:spcPts val="0"/>
-              </a:spcBef>
-            </a:pPr>
-            <a:r>
-              <a:rPr lang="ru-RU" sz="1800" dirty="0"/>
-              <a:t>двунаправленный подход (RNN, LSTM, GRU);</a:t>
-            </a:r>
-          </a:p>
-          <a:p>
-            <a:pPr lvl="1">
-              <a:spcBef>
-                <a:spcPts val="0"/>
-              </a:spcBef>
-            </a:pPr>
-            <a:r>
-              <a:rPr lang="ru-RU" sz="1800" dirty="0"/>
-              <a:t>многоуровневый или глубокий подход RNN (RNN, LSTM, GRU);</a:t>
-            </a:r>
-          </a:p>
-          <a:p>
-            <a:pPr lvl="1">
-              <a:spcBef>
-                <a:spcPts val="0"/>
-              </a:spcBef>
-            </a:pPr>
-            <a:r>
-              <a:rPr lang="ru-RU" sz="1800" dirty="0"/>
-              <a:t>гибридный (Рекуррентная нейронная сеть + CNN) подход;</a:t>
-            </a:r>
-          </a:p>
-          <a:p>
-            <a:pPr lvl="0">
-              <a:spcBef>
-                <a:spcPts val="0"/>
-              </a:spcBef>
-            </a:pPr>
-            <a:r>
-              <a:rPr lang="ru-RU" sz="1800" b="1" dirty="0"/>
-              <a:t>Модели на основе внимания</a:t>
-            </a:r>
-            <a:endParaRPr lang="ru-RU" sz="1800" dirty="0"/>
-          </a:p>
-          <a:p>
-            <a:pPr lvl="1">
-              <a:spcBef>
-                <a:spcPts val="0"/>
-              </a:spcBef>
-            </a:pPr>
-            <a:r>
-              <a:rPr lang="ru-RU" sz="1800" dirty="0"/>
-              <a:t>кодировщик внимания (RNN, LSTM, GRU);</a:t>
-            </a:r>
-          </a:p>
-          <a:p>
-            <a:pPr lvl="1">
-              <a:spcBef>
-                <a:spcPts val="0"/>
-              </a:spcBef>
-            </a:pPr>
-            <a:r>
-              <a:rPr lang="ru-RU" sz="1800" dirty="0" err="1"/>
-              <a:t>Самовнимание</a:t>
-            </a:r>
-            <a:r>
-              <a:rPr lang="ru-RU" sz="1800" dirty="0"/>
-              <a:t> (LSTM, GLU, CNN);</a:t>
-            </a:r>
-          </a:p>
-          <a:p>
-            <a:pPr lvl="1">
-              <a:spcBef>
-                <a:spcPts val="0"/>
-              </a:spcBef>
-            </a:pPr>
-            <a:r>
-              <a:rPr lang="ru-RU" sz="1800" dirty="0"/>
-              <a:t>Трансформаторная (CNN, FCN);</a:t>
-            </a:r>
-          </a:p>
-          <a:p>
-            <a:pPr lvl="1">
-              <a:spcBef>
-                <a:spcPts val="0"/>
-              </a:spcBef>
-            </a:pPr>
-            <a:r>
-              <a:rPr lang="ru-RU" sz="1800" dirty="0"/>
-              <a:t>гибридный подход (CNN-внимание и т. д.).</a:t>
-            </a:r>
           </a:p>
           <a:p>
             <a:pPr lvl="1">
@@ -21802,6 +21178,13 @@
   <p:clrMapOvr>
     <a:masterClrMapping/>
   </p:clrMapOvr>
+  <p:timing>
+    <p:tnLst>
+      <p:par>
+        <p:cTn id="1" dur="indefinite" restart="never" nodeType="tmRoot"/>
+      </p:par>
+    </p:tnLst>
+  </p:timing>
 </p:sld>
 </file>
 
@@ -22016,6 +21399,13 @@
   <p:clrMapOvr>
     <a:masterClrMapping/>
   </p:clrMapOvr>
+  <p:timing>
+    <p:tnLst>
+      <p:par>
+        <p:cTn id="1" dur="indefinite" restart="never" nodeType="tmRoot"/>
+      </p:par>
+    </p:tnLst>
+  </p:timing>
 </p:sld>
 </file>
 
@@ -22228,6 +21618,13 @@
   <p:clrMapOvr>
     <a:masterClrMapping/>
   </p:clrMapOvr>
+  <p:timing>
+    <p:tnLst>
+      <p:par>
+        <p:cTn id="1" dur="indefinite" restart="never" nodeType="tmRoot"/>
+      </p:par>
+    </p:tnLst>
+  </p:timing>
 </p:sld>
 </file>
 

--- a/2024/Lec/Юнит 22 - глубокое обучение нейронных сетей.pptx
+++ b/2024/Lec/Юнит 22 - глубокое обучение нейронных сетей.pptx
@@ -289,7 +289,7 @@
           <a:p>
             <a:fld id="{A76E1671-358D-4BAB-9EB2-DC8D65251B89}" type="datetimeFigureOut">
               <a:rPr lang="en-US" smtClean="0"/>
-              <a:t>3/20/2024</a:t>
+              <a:t>5/2/2024</a:t>
             </a:fld>
             <a:endParaRPr lang="en-US"/>
           </a:p>
@@ -489,7 +489,7 @@
           <a:p>
             <a:fld id="{A76E1671-358D-4BAB-9EB2-DC8D65251B89}" type="datetimeFigureOut">
               <a:rPr lang="en-US" smtClean="0"/>
-              <a:t>3/20/2024</a:t>
+              <a:t>5/2/2024</a:t>
             </a:fld>
             <a:endParaRPr lang="en-US"/>
           </a:p>
@@ -699,7 +699,7 @@
           <a:p>
             <a:fld id="{A76E1671-358D-4BAB-9EB2-DC8D65251B89}" type="datetimeFigureOut">
               <a:rPr lang="en-US" smtClean="0"/>
-              <a:t>3/20/2024</a:t>
+              <a:t>5/2/2024</a:t>
             </a:fld>
             <a:endParaRPr lang="en-US"/>
           </a:p>
@@ -899,7 +899,7 @@
           <a:p>
             <a:fld id="{A76E1671-358D-4BAB-9EB2-DC8D65251B89}" type="datetimeFigureOut">
               <a:rPr lang="en-US" smtClean="0"/>
-              <a:t>3/20/2024</a:t>
+              <a:t>5/2/2024</a:t>
             </a:fld>
             <a:endParaRPr lang="en-US"/>
           </a:p>
@@ -1175,7 +1175,7 @@
           <a:p>
             <a:fld id="{A76E1671-358D-4BAB-9EB2-DC8D65251B89}" type="datetimeFigureOut">
               <a:rPr lang="en-US" smtClean="0"/>
-              <a:t>3/20/2024</a:t>
+              <a:t>5/2/2024</a:t>
             </a:fld>
             <a:endParaRPr lang="en-US"/>
           </a:p>
@@ -1443,7 +1443,7 @@
           <a:p>
             <a:fld id="{A76E1671-358D-4BAB-9EB2-DC8D65251B89}" type="datetimeFigureOut">
               <a:rPr lang="en-US" smtClean="0"/>
-              <a:t>3/20/2024</a:t>
+              <a:t>5/2/2024</a:t>
             </a:fld>
             <a:endParaRPr lang="en-US"/>
           </a:p>
@@ -1858,7 +1858,7 @@
           <a:p>
             <a:fld id="{A76E1671-358D-4BAB-9EB2-DC8D65251B89}" type="datetimeFigureOut">
               <a:rPr lang="en-US" smtClean="0"/>
-              <a:t>3/20/2024</a:t>
+              <a:t>5/2/2024</a:t>
             </a:fld>
             <a:endParaRPr lang="en-US"/>
           </a:p>
@@ -2000,7 +2000,7 @@
           <a:p>
             <a:fld id="{A76E1671-358D-4BAB-9EB2-DC8D65251B89}" type="datetimeFigureOut">
               <a:rPr lang="en-US" smtClean="0"/>
-              <a:t>3/20/2024</a:t>
+              <a:t>5/2/2024</a:t>
             </a:fld>
             <a:endParaRPr lang="en-US"/>
           </a:p>
@@ -2113,7 +2113,7 @@
           <a:p>
             <a:fld id="{A76E1671-358D-4BAB-9EB2-DC8D65251B89}" type="datetimeFigureOut">
               <a:rPr lang="en-US" smtClean="0"/>
-              <a:t>3/20/2024</a:t>
+              <a:t>5/2/2024</a:t>
             </a:fld>
             <a:endParaRPr lang="en-US"/>
           </a:p>
@@ -2426,7 +2426,7 @@
           <a:p>
             <a:fld id="{A76E1671-358D-4BAB-9EB2-DC8D65251B89}" type="datetimeFigureOut">
               <a:rPr lang="en-US" smtClean="0"/>
-              <a:t>3/20/2024</a:t>
+              <a:t>5/2/2024</a:t>
             </a:fld>
             <a:endParaRPr lang="en-US"/>
           </a:p>
@@ -2715,7 +2715,7 @@
           <a:p>
             <a:fld id="{A76E1671-358D-4BAB-9EB2-DC8D65251B89}" type="datetimeFigureOut">
               <a:rPr lang="en-US" smtClean="0"/>
-              <a:t>3/20/2024</a:t>
+              <a:t>5/2/2024</a:t>
             </a:fld>
             <a:endParaRPr lang="en-US"/>
           </a:p>
@@ -2958,7 +2958,7 @@
           <a:p>
             <a:fld id="{A76E1671-358D-4BAB-9EB2-DC8D65251B89}" type="datetimeFigureOut">
               <a:rPr lang="en-US" smtClean="0"/>
-              <a:t>3/20/2024</a:t>
+              <a:t>5/2/2024</a:t>
             </a:fld>
             <a:endParaRPr lang="en-US"/>
           </a:p>
@@ -15603,11 +15603,11 @@
   <p:clrMapOvr>
     <a:masterClrMapping/>
   </p:clrMapOvr>
-  <mc:AlternateContent xmlns:mc="http://schemas.openxmlformats.org/markup-compatibility/2006">
-    <mc:Choice xmlns:p14="http://schemas.microsoft.com/office/powerpoint/2010/main" Requires="p14">
+  <mc:AlternateContent xmlns:mc="http://schemas.openxmlformats.org/markup-compatibility/2006" xmlns:p14="http://schemas.microsoft.com/office/powerpoint/2010/main">
+    <mc:Choice Requires="p14">
       <p:transition spd="slow" p14:dur="2000"/>
     </mc:Choice>
-    <mc:Fallback>
+    <mc:Fallback xmlns="">
       <p:transition spd="slow"/>
     </mc:Fallback>
   </mc:AlternateContent>
@@ -20828,8 +20828,8 @@
         </p:nvSpPr>
         <p:spPr>
           <a:xfrm>
-            <a:off x="207591" y="1143000"/>
-            <a:ext cx="11374451" cy="5394959"/>
+            <a:off x="207591" y="853440"/>
+            <a:ext cx="11374451" cy="5699760"/>
           </a:xfrm>
         </p:spPr>
         <p:txBody>
@@ -20876,8 +20876,29 @@
             </a:r>
             <a:r>
               <a:rPr lang="ru-RU" sz="1800" dirty="0"/>
-              <a:t> FCN;</a:t>
-            </a:r>
+              <a:t> </a:t>
+            </a:r>
+            <a:r>
+              <a:rPr lang="ru-RU" sz="1800" dirty="0" smtClean="0"/>
+              <a:t>FCN (</a:t>
+            </a:r>
+            <a:r>
+              <a:rPr lang="en-US" sz="1800" dirty="0" smtClean="0"/>
+              <a:t>N-BEATS, N-</a:t>
+            </a:r>
+            <a:r>
+              <a:rPr lang="en-US" sz="1800" dirty="0" err="1" smtClean="0"/>
+              <a:t>HiTS</a:t>
+            </a:r>
+            <a:r>
+              <a:rPr lang="en-US" sz="1800" dirty="0" smtClean="0"/>
+              <a:t>)</a:t>
+            </a:r>
+            <a:r>
+              <a:rPr lang="ru-RU" sz="1800" dirty="0" smtClean="0"/>
+              <a:t>;</a:t>
+            </a:r>
+            <a:endParaRPr lang="ru-RU" sz="1800" dirty="0"/>
           </a:p>
           <a:p>
             <a:pPr lvl="1">
@@ -20914,13 +20935,18 @@
               <a:t>, </a:t>
             </a:r>
             <a:r>
-              <a:rPr lang="ru-RU" sz="1800" dirty="0" err="1"/>
+              <a:rPr lang="ru-RU" sz="1800" dirty="0" err="1" smtClean="0"/>
               <a:t>narimax</a:t>
             </a:r>
             <a:r>
-              <a:rPr lang="ru-RU" sz="1800" dirty="0"/>
+              <a:rPr lang="en-US" sz="1800" dirty="0" smtClean="0"/>
+              <a:t>, AR-NET</a:t>
+            </a:r>
+            <a:r>
+              <a:rPr lang="ru-RU" sz="1800" dirty="0" smtClean="0"/>
               <a:t>);</a:t>
             </a:r>
+            <a:endParaRPr lang="ru-RU" sz="1800" dirty="0"/>
           </a:p>
           <a:p>
             <a:pPr lvl="0">
@@ -20938,31 +20964,21 @@
             </a:r>
             <a:r>
               <a:rPr lang="ru-RU" sz="1800" b="1" dirty="0"/>
-              <a:t>нейронная сеть (CNN)</a:t>
+              <a:t>нейронная сеть (</a:t>
+            </a:r>
+            <a:r>
+              <a:rPr lang="ru-RU" sz="1800" b="1" dirty="0" smtClean="0"/>
+              <a:t>CNN</a:t>
+            </a:r>
+            <a:r>
+              <a:rPr lang="en-US" sz="1800" b="1" dirty="0" smtClean="0"/>
+              <a:t>, TCN</a:t>
+            </a:r>
+            <a:r>
+              <a:rPr lang="ru-RU" sz="1800" b="1" dirty="0" smtClean="0"/>
+              <a:t>)</a:t>
             </a:r>
             <a:endParaRPr lang="ru-RU" sz="1800" dirty="0"/>
-          </a:p>
-          <a:p>
-            <a:pPr lvl="1">
-              <a:spcBef>
-                <a:spcPts val="0"/>
-              </a:spcBef>
-            </a:pPr>
-            <a:r>
-              <a:rPr lang="ru-RU" sz="1800" dirty="0"/>
-              <a:t>2d-conv для многомерных данных;</a:t>
-            </a:r>
-          </a:p>
-          <a:p>
-            <a:pPr lvl="1">
-              <a:spcBef>
-                <a:spcPts val="0"/>
-              </a:spcBef>
-            </a:pPr>
-            <a:r>
-              <a:rPr lang="ru-RU" sz="1800" dirty="0"/>
-              <a:t>2d-conv для данных, преобразованных в 2-мерные (сегментация, скольжение, прочее);</a:t>
-            </a:r>
           </a:p>
           <a:p>
             <a:pPr lvl="1">
@@ -20982,18 +20998,33 @@
               </a:spcBef>
             </a:pPr>
             <a:r>
+              <a:rPr lang="ru-RU" sz="1800" dirty="0" smtClean="0"/>
+              <a:t>2d-conv </a:t>
+            </a:r>
+            <a:r>
               <a:rPr lang="ru-RU" sz="1800" dirty="0"/>
+              <a:t>для данных, преобразованных в 2-мерные (сегментация, скольжение, прочее);</a:t>
+            </a:r>
+          </a:p>
+          <a:p>
+            <a:pPr lvl="1">
+              <a:spcBef>
+                <a:spcPts val="0"/>
+              </a:spcBef>
+            </a:pPr>
+            <a:r>
+              <a:rPr lang="ru-RU" sz="1800" dirty="0" smtClean="0"/>
               <a:t>1d-wave-conv (расширенная свертка, случайная свертка, временная </a:t>
             </a:r>
             <a:r>
-              <a:rPr lang="ru-RU" sz="1800" dirty="0" err="1"/>
+              <a:rPr lang="ru-RU" sz="1800" dirty="0" err="1" smtClean="0"/>
               <a:t>сверточная</a:t>
             </a:r>
             <a:r>
-              <a:rPr lang="ru-RU" sz="1800" dirty="0"/>
+              <a:rPr lang="ru-RU" sz="1800" dirty="0" smtClean="0"/>
               <a:t> сеть (TCN)) для набора данных;</a:t>
             </a:r>
-            <a:endParaRPr lang="en-US" sz="1800" dirty="0"/>
+            <a:endParaRPr lang="en-US" sz="1800" dirty="0" smtClean="0"/>
           </a:p>
           <a:p>
             <a:pPr lvl="0">
@@ -21002,8 +21033,28 @@
               </a:spcBef>
             </a:pPr>
             <a:r>
+              <a:rPr lang="ru-RU" sz="1800" b="1" dirty="0" smtClean="0"/>
+              <a:t>Рекуррентная </a:t>
+            </a:r>
+            <a:r>
               <a:rPr lang="ru-RU" sz="1800" b="1" dirty="0"/>
-              <a:t>Рекуррентная нейронная сеть (RNN)</a:t>
+              <a:t>нейронная сеть (</a:t>
+            </a:r>
+            <a:r>
+              <a:rPr lang="ru-RU" sz="1800" b="1" dirty="0" smtClean="0"/>
+              <a:t>RNN, </a:t>
+            </a:r>
+            <a:r>
+              <a:rPr lang="en-US" sz="1800" b="1" dirty="0" smtClean="0"/>
+              <a:t>LSTM, </a:t>
+            </a:r>
+            <a:r>
+              <a:rPr lang="en-US" sz="1800" b="1" dirty="0" err="1" smtClean="0"/>
+              <a:t>DeepAR</a:t>
+            </a:r>
+            <a:r>
+              <a:rPr lang="ru-RU" sz="1800" b="1" dirty="0" smtClean="0"/>
+              <a:t>)</a:t>
             </a:r>
             <a:endParaRPr lang="ru-RU" sz="1800" dirty="0"/>
           </a:p>
@@ -21047,8 +21098,12 @@
               </a:spcBef>
             </a:pPr>
             <a:r>
+              <a:rPr lang="ru-RU" sz="1800" b="1" dirty="0"/>
+              <a:t>гибридный</a:t>
+            </a:r>
+            <a:r>
               <a:rPr lang="ru-RU" sz="1800" dirty="0"/>
-              <a:t>гибридный (Рекуррентная нейронная сеть + CNN) подход;</a:t>
+              <a:t> (Рекуррентная нейронная сеть + CNN) подход;</a:t>
             </a:r>
           </a:p>
           <a:p>
@@ -21077,6 +21132,42 @@
               <a:rPr lang="ru-RU" sz="1800" b="1" dirty="0" err="1" smtClean="0"/>
               <a:t>трансформеров</a:t>
             </a:r>
+            <a:r>
+              <a:rPr lang="ru-RU" sz="1800" b="1" dirty="0" smtClean="0"/>
+              <a:t> (</a:t>
+            </a:r>
+            <a:r>
+              <a:rPr lang="en-US" sz="1800" b="1" dirty="0" err="1" smtClean="0"/>
+              <a:t>Informet</a:t>
+            </a:r>
+            <a:r>
+              <a:rPr lang="en-US" sz="1800" b="1" dirty="0" smtClean="0"/>
+              <a:t>, </a:t>
+            </a:r>
+            <a:r>
+              <a:rPr lang="en-US" sz="1800" b="1" dirty="0" err="1" smtClean="0"/>
+              <a:t>autoformer</a:t>
+            </a:r>
+            <a:r>
+              <a:rPr lang="en-US" sz="1800" b="1" dirty="0" smtClean="0"/>
+              <a:t>,  TST </a:t>
+            </a:r>
+            <a:r>
+              <a:rPr lang="ru-RU" sz="1800" b="1" dirty="0" smtClean="0"/>
+              <a:t>и</a:t>
+            </a:r>
+            <a:r>
+              <a:rPr lang="en-US" sz="1800" b="1" dirty="0" smtClean="0"/>
+              <a:t> </a:t>
+            </a:r>
+            <a:r>
+              <a:rPr lang="ru-RU" sz="1800" b="1" dirty="0" smtClean="0"/>
+              <a:t>другие</a:t>
+            </a:r>
+            <a:r>
+              <a:rPr lang="en-US" sz="1800" b="1" dirty="0" smtClean="0"/>
+              <a:t>)</a:t>
+            </a:r>
             <a:endParaRPr lang="ru-RU" sz="1800" dirty="0"/>
           </a:p>
           <a:p>
@@ -21147,15 +21238,55 @@
             </a:r>
             <a:r>
               <a:rPr lang="ru-RU" sz="1800" dirty="0"/>
-              <a:t>MLP (трансформаторы без внимания).</a:t>
-            </a:r>
-          </a:p>
-          <a:p>
-            <a:pPr lvl="1">
+              <a:t>MLP (трансформаторы без внимания</a:t>
+            </a:r>
+            <a:r>
+              <a:rPr lang="ru-RU" sz="1800" dirty="0" smtClean="0"/>
+              <a:t>).</a:t>
+            </a:r>
+          </a:p>
+          <a:p>
+            <a:pPr>
               <a:spcBef>
                 <a:spcPts val="0"/>
               </a:spcBef>
             </a:pPr>
+            <a:r>
+              <a:rPr lang="ru-RU" sz="1800" b="1" dirty="0" smtClean="0"/>
+              <a:t>Базисные модели</a:t>
+            </a:r>
+            <a:r>
+              <a:rPr lang="ru-RU" sz="1800" dirty="0" smtClean="0"/>
+              <a:t>: </a:t>
+            </a:r>
+            <a:r>
+              <a:rPr lang="en-US" sz="1800" dirty="0" err="1" smtClean="0"/>
+              <a:t>TimeGPT</a:t>
+            </a:r>
+            <a:r>
+              <a:rPr lang="ru-RU" sz="1800" dirty="0" smtClean="0"/>
+              <a:t>, вообще мульти модальные модели </a:t>
+            </a:r>
+            <a:r>
+              <a:rPr lang="en-US" sz="1800" dirty="0" smtClean="0"/>
+              <a:t> </a:t>
+            </a:r>
+            <a:r>
+              <a:rPr lang="ru-RU" sz="1800" dirty="0" smtClean="0"/>
+              <a:t>и  другие, а </a:t>
+            </a:r>
+            <a:r>
+              <a:rPr lang="ru-RU" sz="1800" b="1" dirty="0" smtClean="0"/>
+              <a:t>также диффузионные модели</a:t>
+            </a:r>
+            <a:r>
+              <a:rPr lang="en-US" sz="1800" b="1" dirty="0" smtClean="0"/>
+              <a:t> </a:t>
+            </a:r>
+            <a:r>
+              <a:rPr lang="ru-RU" sz="1800" b="1" dirty="0" smtClean="0"/>
+              <a:t>а вообще и другие генеративные модели.</a:t>
+            </a:r>
             <a:endParaRPr lang="ru-RU" sz="1800" dirty="0"/>
           </a:p>
           <a:p>
